--- a/Images/fig2_asymm_observation.pptx
+++ b/Images/fig2_asymm_observation.pptx
@@ -243,7 +243,7 @@
           <a:p>
             <a:fld id="{035210FE-A7F4-4FC4-834D-6C5A8730557C}" type="datetimeFigureOut">
               <a:rPr lang="en-US" smtClean="0"/>
-              <a:t>7/29/2021</a:t>
+              <a:t>9/18/2021</a:t>
             </a:fld>
             <a:endParaRPr lang="en-US"/>
           </a:p>
@@ -413,7 +413,7 @@
           <a:p>
             <a:fld id="{035210FE-A7F4-4FC4-834D-6C5A8730557C}" type="datetimeFigureOut">
               <a:rPr lang="en-US" smtClean="0"/>
-              <a:t>7/29/2021</a:t>
+              <a:t>9/18/2021</a:t>
             </a:fld>
             <a:endParaRPr lang="en-US"/>
           </a:p>
@@ -593,7 +593,7 @@
           <a:p>
             <a:fld id="{035210FE-A7F4-4FC4-834D-6C5A8730557C}" type="datetimeFigureOut">
               <a:rPr lang="en-US" smtClean="0"/>
-              <a:t>7/29/2021</a:t>
+              <a:t>9/18/2021</a:t>
             </a:fld>
             <a:endParaRPr lang="en-US"/>
           </a:p>
@@ -763,7 +763,7 @@
           <a:p>
             <a:fld id="{035210FE-A7F4-4FC4-834D-6C5A8730557C}" type="datetimeFigureOut">
               <a:rPr lang="en-US" smtClean="0"/>
-              <a:t>7/29/2021</a:t>
+              <a:t>9/18/2021</a:t>
             </a:fld>
             <a:endParaRPr lang="en-US"/>
           </a:p>
@@ -1009,7 +1009,7 @@
           <a:p>
             <a:fld id="{035210FE-A7F4-4FC4-834D-6C5A8730557C}" type="datetimeFigureOut">
               <a:rPr lang="en-US" smtClean="0"/>
-              <a:t>7/29/2021</a:t>
+              <a:t>9/18/2021</a:t>
             </a:fld>
             <a:endParaRPr lang="en-US"/>
           </a:p>
@@ -1241,7 +1241,7 @@
           <a:p>
             <a:fld id="{035210FE-A7F4-4FC4-834D-6C5A8730557C}" type="datetimeFigureOut">
               <a:rPr lang="en-US" smtClean="0"/>
-              <a:t>7/29/2021</a:t>
+              <a:t>9/18/2021</a:t>
             </a:fld>
             <a:endParaRPr lang="en-US"/>
           </a:p>
@@ -1608,7 +1608,7 @@
           <a:p>
             <a:fld id="{035210FE-A7F4-4FC4-834D-6C5A8730557C}" type="datetimeFigureOut">
               <a:rPr lang="en-US" smtClean="0"/>
-              <a:t>7/29/2021</a:t>
+              <a:t>9/18/2021</a:t>
             </a:fld>
             <a:endParaRPr lang="en-US"/>
           </a:p>
@@ -1726,7 +1726,7 @@
           <a:p>
             <a:fld id="{035210FE-A7F4-4FC4-834D-6C5A8730557C}" type="datetimeFigureOut">
               <a:rPr lang="en-US" smtClean="0"/>
-              <a:t>7/29/2021</a:t>
+              <a:t>9/18/2021</a:t>
             </a:fld>
             <a:endParaRPr lang="en-US"/>
           </a:p>
@@ -1821,7 +1821,7 @@
           <a:p>
             <a:fld id="{035210FE-A7F4-4FC4-834D-6C5A8730557C}" type="datetimeFigureOut">
               <a:rPr lang="en-US" smtClean="0"/>
-              <a:t>7/29/2021</a:t>
+              <a:t>9/18/2021</a:t>
             </a:fld>
             <a:endParaRPr lang="en-US"/>
           </a:p>
@@ -2098,7 +2098,7 @@
           <a:p>
             <a:fld id="{035210FE-A7F4-4FC4-834D-6C5A8730557C}" type="datetimeFigureOut">
               <a:rPr lang="en-US" smtClean="0"/>
-              <a:t>7/29/2021</a:t>
+              <a:t>9/18/2021</a:t>
             </a:fld>
             <a:endParaRPr lang="en-US"/>
           </a:p>
@@ -2355,7 +2355,7 @@
           <a:p>
             <a:fld id="{035210FE-A7F4-4FC4-834D-6C5A8730557C}" type="datetimeFigureOut">
               <a:rPr lang="en-US" smtClean="0"/>
-              <a:t>7/29/2021</a:t>
+              <a:t>9/18/2021</a:t>
             </a:fld>
             <a:endParaRPr lang="en-US"/>
           </a:p>
@@ -2568,7 +2568,7 @@
           <a:p>
             <a:fld id="{035210FE-A7F4-4FC4-834D-6C5A8730557C}" type="datetimeFigureOut">
               <a:rPr lang="en-US" smtClean="0"/>
-              <a:t>7/29/2021</a:t>
+              <a:t>9/18/2021</a:t>
             </a:fld>
             <a:endParaRPr lang="en-US"/>
           </a:p>
@@ -3100,7 +3100,7 @@
                 <a:latin typeface="Times New Roman" panose="02020603050405020304" pitchFamily="18" charset="0"/>
                 <a:cs typeface="Times New Roman" panose="02020603050405020304" pitchFamily="18" charset="0"/>
               </a:rPr>
-              <a:t>a</a:t>
+              <a:t>A</a:t>
             </a:r>
           </a:p>
         </p:txBody>
@@ -3138,7 +3138,7 @@
                 <a:latin typeface="Times New Roman" panose="02020603050405020304" pitchFamily="18" charset="0"/>
                 <a:cs typeface="Times New Roman" panose="02020603050405020304" pitchFamily="18" charset="0"/>
               </a:rPr>
-              <a:t>b</a:t>
+              <a:t>B</a:t>
             </a:r>
           </a:p>
         </p:txBody>
